--- a/chart/abstructDesign.pptx
+++ b/chart/abstructDesign.pptx
@@ -106,6 +106,11 @@
       </a:defRPr>
     </a:lvl9pPr>
   </p:defaultTextStyle>
+  <p:extLst>
+    <p:ext uri="{EFAFB233-063F-42B5-8137-9DF3F51BA10A}">
+      <p15:sldGuideLst xmlns:p15="http://schemas.microsoft.com/office/powerpoint/2012/main"/>
+    </p:ext>
+  </p:extLst>
 </p:presentation>
 </file>
 
@@ -151,10 +156,9 @@
           </a:lstStyle>
           <a:p>
             <a:r>
-              <a:rPr kumimoji="1" lang="ja-JP" altLang="en-US" smtClean="0"/>
+              <a:rPr kumimoji="1" lang="ja-JP" altLang="en-US"/>
               <a:t>マスター タイトルの書式設定</a:t>
             </a:r>
-            <a:endParaRPr kumimoji="1" lang="ja-JP" altLang="en-US"/>
           </a:p>
         </p:txBody>
       </p:sp>
@@ -216,10 +220,9 @@
           </a:lstStyle>
           <a:p>
             <a:r>
-              <a:rPr kumimoji="1" lang="ja-JP" altLang="en-US" smtClean="0"/>
+              <a:rPr kumimoji="1" lang="ja-JP" altLang="en-US"/>
               <a:t>マスター サブタイトルの書式設定</a:t>
             </a:r>
-            <a:endParaRPr kumimoji="1" lang="ja-JP" altLang="en-US"/>
           </a:p>
         </p:txBody>
       </p:sp>
@@ -240,7 +243,7 @@
           <a:p>
             <a:fld id="{6EDEEF98-8F45-4326-A5C2-D003286F18E0}" type="datetimeFigureOut">
               <a:rPr kumimoji="1" lang="ja-JP" altLang="en-US" smtClean="0"/>
-              <a:t>2020/10/15</a:t>
+              <a:t>2020/10/17</a:t>
             </a:fld>
             <a:endParaRPr kumimoji="1" lang="ja-JP" altLang="en-US"/>
           </a:p>
@@ -334,10 +337,9 @@
           <a:lstStyle/>
           <a:p>
             <a:r>
-              <a:rPr kumimoji="1" lang="ja-JP" altLang="en-US" smtClean="0"/>
+              <a:rPr kumimoji="1" lang="ja-JP" altLang="en-US"/>
               <a:t>マスター タイトルの書式設定</a:t>
             </a:r>
-            <a:endParaRPr kumimoji="1" lang="ja-JP" altLang="en-US"/>
           </a:p>
         </p:txBody>
       </p:sp>
@@ -358,70 +360,69 @@
           <a:p>
             <a:pPr lvl="0"/>
             <a:r>
-              <a:rPr kumimoji="1" lang="ja-JP" altLang="en-US" smtClean="0"/>
+              <a:rPr kumimoji="1" lang="ja-JP" altLang="en-US"/>
               <a:t>マスター テキストの書式設定</a:t>
             </a:r>
           </a:p>
           <a:p>
             <a:pPr lvl="1"/>
             <a:r>
-              <a:rPr kumimoji="1" lang="ja-JP" altLang="en-US" smtClean="0"/>
+              <a:rPr kumimoji="1" lang="ja-JP" altLang="en-US"/>
               <a:t>第 </a:t>
             </a:r>
             <a:r>
-              <a:rPr kumimoji="1" lang="en-US" altLang="ja-JP" smtClean="0"/>
+              <a:rPr kumimoji="1" lang="en-US" altLang="ja-JP"/>
               <a:t>2 </a:t>
             </a:r>
             <a:r>
-              <a:rPr kumimoji="1" lang="ja-JP" altLang="en-US" smtClean="0"/>
+              <a:rPr kumimoji="1" lang="ja-JP" altLang="en-US"/>
               <a:t>レベル</a:t>
             </a:r>
           </a:p>
           <a:p>
             <a:pPr lvl="2"/>
             <a:r>
-              <a:rPr kumimoji="1" lang="ja-JP" altLang="en-US" smtClean="0"/>
+              <a:rPr kumimoji="1" lang="ja-JP" altLang="en-US"/>
               <a:t>第 </a:t>
             </a:r>
             <a:r>
-              <a:rPr kumimoji="1" lang="en-US" altLang="ja-JP" smtClean="0"/>
+              <a:rPr kumimoji="1" lang="en-US" altLang="ja-JP"/>
               <a:t>3 </a:t>
             </a:r>
             <a:r>
-              <a:rPr kumimoji="1" lang="ja-JP" altLang="en-US" smtClean="0"/>
+              <a:rPr kumimoji="1" lang="ja-JP" altLang="en-US"/>
               <a:t>レベル</a:t>
             </a:r>
           </a:p>
           <a:p>
             <a:pPr lvl="3"/>
             <a:r>
-              <a:rPr kumimoji="1" lang="ja-JP" altLang="en-US" smtClean="0"/>
+              <a:rPr kumimoji="1" lang="ja-JP" altLang="en-US"/>
               <a:t>第 </a:t>
             </a:r>
             <a:r>
-              <a:rPr kumimoji="1" lang="en-US" altLang="ja-JP" smtClean="0"/>
+              <a:rPr kumimoji="1" lang="en-US" altLang="ja-JP"/>
               <a:t>4 </a:t>
             </a:r>
             <a:r>
-              <a:rPr kumimoji="1" lang="ja-JP" altLang="en-US" smtClean="0"/>
+              <a:rPr kumimoji="1" lang="ja-JP" altLang="en-US"/>
               <a:t>レベル</a:t>
             </a:r>
           </a:p>
           <a:p>
             <a:pPr lvl="4"/>
             <a:r>
-              <a:rPr kumimoji="1" lang="ja-JP" altLang="en-US" smtClean="0"/>
+              <a:rPr kumimoji="1" lang="ja-JP" altLang="en-US"/>
               <a:t>第 </a:t>
             </a:r>
             <a:r>
-              <a:rPr kumimoji="1" lang="en-US" altLang="ja-JP" smtClean="0"/>
+              <a:rPr kumimoji="1" lang="en-US" altLang="ja-JP"/>
               <a:t>5 </a:t>
             </a:r>
             <a:r>
-              <a:rPr kumimoji="1" lang="ja-JP" altLang="en-US" smtClean="0"/>
+              <a:rPr kumimoji="1" lang="ja-JP" altLang="en-US"/>
               <a:t>レベル</a:t>
             </a:r>
-            <a:endParaRPr kumimoji="1" lang="ja-JP" altLang="en-US"/>
           </a:p>
         </p:txBody>
       </p:sp>
@@ -442,7 +443,7 @@
           <a:p>
             <a:fld id="{6EDEEF98-8F45-4326-A5C2-D003286F18E0}" type="datetimeFigureOut">
               <a:rPr kumimoji="1" lang="ja-JP" altLang="en-US" smtClean="0"/>
-              <a:t>2020/10/15</a:t>
+              <a:t>2020/10/17</a:t>
             </a:fld>
             <a:endParaRPr kumimoji="1" lang="ja-JP" altLang="en-US"/>
           </a:p>
@@ -541,10 +542,9 @@
           <a:lstStyle/>
           <a:p>
             <a:r>
-              <a:rPr kumimoji="1" lang="ja-JP" altLang="en-US" smtClean="0"/>
+              <a:rPr kumimoji="1" lang="ja-JP" altLang="en-US"/>
               <a:t>マスター タイトルの書式設定</a:t>
             </a:r>
-            <a:endParaRPr kumimoji="1" lang="ja-JP" altLang="en-US"/>
           </a:p>
         </p:txBody>
       </p:sp>
@@ -570,70 +570,69 @@
           <a:p>
             <a:pPr lvl="0"/>
             <a:r>
-              <a:rPr kumimoji="1" lang="ja-JP" altLang="en-US" smtClean="0"/>
+              <a:rPr kumimoji="1" lang="ja-JP" altLang="en-US"/>
               <a:t>マスター テキストの書式設定</a:t>
             </a:r>
           </a:p>
           <a:p>
             <a:pPr lvl="1"/>
             <a:r>
-              <a:rPr kumimoji="1" lang="ja-JP" altLang="en-US" smtClean="0"/>
+              <a:rPr kumimoji="1" lang="ja-JP" altLang="en-US"/>
               <a:t>第 </a:t>
             </a:r>
             <a:r>
-              <a:rPr kumimoji="1" lang="en-US" altLang="ja-JP" smtClean="0"/>
+              <a:rPr kumimoji="1" lang="en-US" altLang="ja-JP"/>
               <a:t>2 </a:t>
             </a:r>
             <a:r>
-              <a:rPr kumimoji="1" lang="ja-JP" altLang="en-US" smtClean="0"/>
+              <a:rPr kumimoji="1" lang="ja-JP" altLang="en-US"/>
               <a:t>レベル</a:t>
             </a:r>
           </a:p>
           <a:p>
             <a:pPr lvl="2"/>
             <a:r>
-              <a:rPr kumimoji="1" lang="ja-JP" altLang="en-US" smtClean="0"/>
+              <a:rPr kumimoji="1" lang="ja-JP" altLang="en-US"/>
               <a:t>第 </a:t>
             </a:r>
             <a:r>
-              <a:rPr kumimoji="1" lang="en-US" altLang="ja-JP" smtClean="0"/>
+              <a:rPr kumimoji="1" lang="en-US" altLang="ja-JP"/>
               <a:t>3 </a:t>
             </a:r>
             <a:r>
-              <a:rPr kumimoji="1" lang="ja-JP" altLang="en-US" smtClean="0"/>
+              <a:rPr kumimoji="1" lang="ja-JP" altLang="en-US"/>
               <a:t>レベル</a:t>
             </a:r>
           </a:p>
           <a:p>
             <a:pPr lvl="3"/>
             <a:r>
-              <a:rPr kumimoji="1" lang="ja-JP" altLang="en-US" smtClean="0"/>
+              <a:rPr kumimoji="1" lang="ja-JP" altLang="en-US"/>
               <a:t>第 </a:t>
             </a:r>
             <a:r>
-              <a:rPr kumimoji="1" lang="en-US" altLang="ja-JP" smtClean="0"/>
+              <a:rPr kumimoji="1" lang="en-US" altLang="ja-JP"/>
               <a:t>4 </a:t>
             </a:r>
             <a:r>
-              <a:rPr kumimoji="1" lang="ja-JP" altLang="en-US" smtClean="0"/>
+              <a:rPr kumimoji="1" lang="ja-JP" altLang="en-US"/>
               <a:t>レベル</a:t>
             </a:r>
           </a:p>
           <a:p>
             <a:pPr lvl="4"/>
             <a:r>
-              <a:rPr kumimoji="1" lang="ja-JP" altLang="en-US" smtClean="0"/>
+              <a:rPr kumimoji="1" lang="ja-JP" altLang="en-US"/>
               <a:t>第 </a:t>
             </a:r>
             <a:r>
-              <a:rPr kumimoji="1" lang="en-US" altLang="ja-JP" smtClean="0"/>
+              <a:rPr kumimoji="1" lang="en-US" altLang="ja-JP"/>
               <a:t>5 </a:t>
             </a:r>
             <a:r>
-              <a:rPr kumimoji="1" lang="ja-JP" altLang="en-US" smtClean="0"/>
+              <a:rPr kumimoji="1" lang="ja-JP" altLang="en-US"/>
               <a:t>レベル</a:t>
             </a:r>
-            <a:endParaRPr kumimoji="1" lang="ja-JP" altLang="en-US"/>
           </a:p>
         </p:txBody>
       </p:sp>
@@ -654,7 +653,7 @@
           <a:p>
             <a:fld id="{6EDEEF98-8F45-4326-A5C2-D003286F18E0}" type="datetimeFigureOut">
               <a:rPr kumimoji="1" lang="ja-JP" altLang="en-US" smtClean="0"/>
-              <a:t>2020/10/15</a:t>
+              <a:t>2020/10/17</a:t>
             </a:fld>
             <a:endParaRPr kumimoji="1" lang="ja-JP" altLang="en-US"/>
           </a:p>
@@ -748,10 +747,9 @@
           <a:lstStyle/>
           <a:p>
             <a:r>
-              <a:rPr kumimoji="1" lang="ja-JP" altLang="en-US" smtClean="0"/>
+              <a:rPr kumimoji="1" lang="ja-JP" altLang="en-US"/>
               <a:t>マスター タイトルの書式設定</a:t>
             </a:r>
-            <a:endParaRPr kumimoji="1" lang="ja-JP" altLang="en-US"/>
           </a:p>
         </p:txBody>
       </p:sp>
@@ -772,70 +770,69 @@
           <a:p>
             <a:pPr lvl="0"/>
             <a:r>
-              <a:rPr kumimoji="1" lang="ja-JP" altLang="en-US" smtClean="0"/>
+              <a:rPr kumimoji="1" lang="ja-JP" altLang="en-US"/>
               <a:t>マスター テキストの書式設定</a:t>
             </a:r>
           </a:p>
           <a:p>
             <a:pPr lvl="1"/>
             <a:r>
-              <a:rPr kumimoji="1" lang="ja-JP" altLang="en-US" smtClean="0"/>
+              <a:rPr kumimoji="1" lang="ja-JP" altLang="en-US"/>
               <a:t>第 </a:t>
             </a:r>
             <a:r>
-              <a:rPr kumimoji="1" lang="en-US" altLang="ja-JP" smtClean="0"/>
+              <a:rPr kumimoji="1" lang="en-US" altLang="ja-JP"/>
               <a:t>2 </a:t>
             </a:r>
             <a:r>
-              <a:rPr kumimoji="1" lang="ja-JP" altLang="en-US" smtClean="0"/>
+              <a:rPr kumimoji="1" lang="ja-JP" altLang="en-US"/>
               <a:t>レベル</a:t>
             </a:r>
           </a:p>
           <a:p>
             <a:pPr lvl="2"/>
             <a:r>
-              <a:rPr kumimoji="1" lang="ja-JP" altLang="en-US" smtClean="0"/>
+              <a:rPr kumimoji="1" lang="ja-JP" altLang="en-US"/>
               <a:t>第 </a:t>
             </a:r>
             <a:r>
-              <a:rPr kumimoji="1" lang="en-US" altLang="ja-JP" smtClean="0"/>
+              <a:rPr kumimoji="1" lang="en-US" altLang="ja-JP"/>
               <a:t>3 </a:t>
             </a:r>
             <a:r>
-              <a:rPr kumimoji="1" lang="ja-JP" altLang="en-US" smtClean="0"/>
+              <a:rPr kumimoji="1" lang="ja-JP" altLang="en-US"/>
               <a:t>レベル</a:t>
             </a:r>
           </a:p>
           <a:p>
             <a:pPr lvl="3"/>
             <a:r>
-              <a:rPr kumimoji="1" lang="ja-JP" altLang="en-US" smtClean="0"/>
+              <a:rPr kumimoji="1" lang="ja-JP" altLang="en-US"/>
               <a:t>第 </a:t>
             </a:r>
             <a:r>
-              <a:rPr kumimoji="1" lang="en-US" altLang="ja-JP" smtClean="0"/>
+              <a:rPr kumimoji="1" lang="en-US" altLang="ja-JP"/>
               <a:t>4 </a:t>
             </a:r>
             <a:r>
-              <a:rPr kumimoji="1" lang="ja-JP" altLang="en-US" smtClean="0"/>
+              <a:rPr kumimoji="1" lang="ja-JP" altLang="en-US"/>
               <a:t>レベル</a:t>
             </a:r>
           </a:p>
           <a:p>
             <a:pPr lvl="4"/>
             <a:r>
-              <a:rPr kumimoji="1" lang="ja-JP" altLang="en-US" smtClean="0"/>
+              <a:rPr kumimoji="1" lang="ja-JP" altLang="en-US"/>
               <a:t>第 </a:t>
             </a:r>
             <a:r>
-              <a:rPr kumimoji="1" lang="en-US" altLang="ja-JP" smtClean="0"/>
+              <a:rPr kumimoji="1" lang="en-US" altLang="ja-JP"/>
               <a:t>5 </a:t>
             </a:r>
             <a:r>
-              <a:rPr kumimoji="1" lang="ja-JP" altLang="en-US" smtClean="0"/>
+              <a:rPr kumimoji="1" lang="ja-JP" altLang="en-US"/>
               <a:t>レベル</a:t>
             </a:r>
-            <a:endParaRPr kumimoji="1" lang="ja-JP" altLang="en-US"/>
           </a:p>
         </p:txBody>
       </p:sp>
@@ -856,7 +853,7 @@
           <a:p>
             <a:fld id="{6EDEEF98-8F45-4326-A5C2-D003286F18E0}" type="datetimeFigureOut">
               <a:rPr kumimoji="1" lang="ja-JP" altLang="en-US" smtClean="0"/>
-              <a:t>2020/10/15</a:t>
+              <a:t>2020/10/17</a:t>
             </a:fld>
             <a:endParaRPr kumimoji="1" lang="ja-JP" altLang="en-US"/>
           </a:p>
@@ -959,10 +956,9 @@
           </a:lstStyle>
           <a:p>
             <a:r>
-              <a:rPr kumimoji="1" lang="ja-JP" altLang="en-US" smtClean="0"/>
+              <a:rPr kumimoji="1" lang="ja-JP" altLang="en-US"/>
               <a:t>マスター タイトルの書式設定</a:t>
             </a:r>
-            <a:endParaRPr kumimoji="1" lang="ja-JP" altLang="en-US"/>
           </a:p>
         </p:txBody>
       </p:sp>
@@ -1079,7 +1075,7 @@
           <a:p>
             <a:pPr lvl="0"/>
             <a:r>
-              <a:rPr kumimoji="1" lang="ja-JP" altLang="en-US" smtClean="0"/>
+              <a:rPr kumimoji="1" lang="ja-JP" altLang="en-US"/>
               <a:t>マスター テキストの書式設定</a:t>
             </a:r>
           </a:p>
@@ -1102,7 +1098,7 @@
           <a:p>
             <a:fld id="{6EDEEF98-8F45-4326-A5C2-D003286F18E0}" type="datetimeFigureOut">
               <a:rPr kumimoji="1" lang="ja-JP" altLang="en-US" smtClean="0"/>
-              <a:t>2020/10/15</a:t>
+              <a:t>2020/10/17</a:t>
             </a:fld>
             <a:endParaRPr kumimoji="1" lang="ja-JP" altLang="en-US"/>
           </a:p>
@@ -1196,10 +1192,9 @@
           <a:lstStyle/>
           <a:p>
             <a:r>
-              <a:rPr kumimoji="1" lang="ja-JP" altLang="en-US" smtClean="0"/>
+              <a:rPr kumimoji="1" lang="ja-JP" altLang="en-US"/>
               <a:t>マスター タイトルの書式設定</a:t>
             </a:r>
-            <a:endParaRPr kumimoji="1" lang="ja-JP" altLang="en-US"/>
           </a:p>
         </p:txBody>
       </p:sp>
@@ -1225,70 +1220,69 @@
           <a:p>
             <a:pPr lvl="0"/>
             <a:r>
-              <a:rPr kumimoji="1" lang="ja-JP" altLang="en-US" smtClean="0"/>
+              <a:rPr kumimoji="1" lang="ja-JP" altLang="en-US"/>
               <a:t>マスター テキストの書式設定</a:t>
             </a:r>
           </a:p>
           <a:p>
             <a:pPr lvl="1"/>
             <a:r>
-              <a:rPr kumimoji="1" lang="ja-JP" altLang="en-US" smtClean="0"/>
+              <a:rPr kumimoji="1" lang="ja-JP" altLang="en-US"/>
               <a:t>第 </a:t>
             </a:r>
             <a:r>
-              <a:rPr kumimoji="1" lang="en-US" altLang="ja-JP" smtClean="0"/>
+              <a:rPr kumimoji="1" lang="en-US" altLang="ja-JP"/>
               <a:t>2 </a:t>
             </a:r>
             <a:r>
-              <a:rPr kumimoji="1" lang="ja-JP" altLang="en-US" smtClean="0"/>
+              <a:rPr kumimoji="1" lang="ja-JP" altLang="en-US"/>
               <a:t>レベル</a:t>
             </a:r>
           </a:p>
           <a:p>
             <a:pPr lvl="2"/>
             <a:r>
-              <a:rPr kumimoji="1" lang="ja-JP" altLang="en-US" smtClean="0"/>
+              <a:rPr kumimoji="1" lang="ja-JP" altLang="en-US"/>
               <a:t>第 </a:t>
             </a:r>
             <a:r>
-              <a:rPr kumimoji="1" lang="en-US" altLang="ja-JP" smtClean="0"/>
+              <a:rPr kumimoji="1" lang="en-US" altLang="ja-JP"/>
               <a:t>3 </a:t>
             </a:r>
             <a:r>
-              <a:rPr kumimoji="1" lang="ja-JP" altLang="en-US" smtClean="0"/>
+              <a:rPr kumimoji="1" lang="ja-JP" altLang="en-US"/>
               <a:t>レベル</a:t>
             </a:r>
           </a:p>
           <a:p>
             <a:pPr lvl="3"/>
             <a:r>
-              <a:rPr kumimoji="1" lang="ja-JP" altLang="en-US" smtClean="0"/>
+              <a:rPr kumimoji="1" lang="ja-JP" altLang="en-US"/>
               <a:t>第 </a:t>
             </a:r>
             <a:r>
-              <a:rPr kumimoji="1" lang="en-US" altLang="ja-JP" smtClean="0"/>
+              <a:rPr kumimoji="1" lang="en-US" altLang="ja-JP"/>
               <a:t>4 </a:t>
             </a:r>
             <a:r>
-              <a:rPr kumimoji="1" lang="ja-JP" altLang="en-US" smtClean="0"/>
+              <a:rPr kumimoji="1" lang="ja-JP" altLang="en-US"/>
               <a:t>レベル</a:t>
             </a:r>
           </a:p>
           <a:p>
             <a:pPr lvl="4"/>
             <a:r>
-              <a:rPr kumimoji="1" lang="ja-JP" altLang="en-US" smtClean="0"/>
+              <a:rPr kumimoji="1" lang="ja-JP" altLang="en-US"/>
               <a:t>第 </a:t>
             </a:r>
             <a:r>
-              <a:rPr kumimoji="1" lang="en-US" altLang="ja-JP" smtClean="0"/>
+              <a:rPr kumimoji="1" lang="en-US" altLang="ja-JP"/>
               <a:t>5 </a:t>
             </a:r>
             <a:r>
-              <a:rPr kumimoji="1" lang="ja-JP" altLang="en-US" smtClean="0"/>
+              <a:rPr kumimoji="1" lang="ja-JP" altLang="en-US"/>
               <a:t>レベル</a:t>
             </a:r>
-            <a:endParaRPr kumimoji="1" lang="ja-JP" altLang="en-US"/>
           </a:p>
         </p:txBody>
       </p:sp>
@@ -1314,70 +1308,69 @@
           <a:p>
             <a:pPr lvl="0"/>
             <a:r>
-              <a:rPr kumimoji="1" lang="ja-JP" altLang="en-US" smtClean="0"/>
+              <a:rPr kumimoji="1" lang="ja-JP" altLang="en-US"/>
               <a:t>マスター テキストの書式設定</a:t>
             </a:r>
           </a:p>
           <a:p>
             <a:pPr lvl="1"/>
             <a:r>
-              <a:rPr kumimoji="1" lang="ja-JP" altLang="en-US" smtClean="0"/>
+              <a:rPr kumimoji="1" lang="ja-JP" altLang="en-US"/>
               <a:t>第 </a:t>
             </a:r>
             <a:r>
-              <a:rPr kumimoji="1" lang="en-US" altLang="ja-JP" smtClean="0"/>
+              <a:rPr kumimoji="1" lang="en-US" altLang="ja-JP"/>
               <a:t>2 </a:t>
             </a:r>
             <a:r>
-              <a:rPr kumimoji="1" lang="ja-JP" altLang="en-US" smtClean="0"/>
+              <a:rPr kumimoji="1" lang="ja-JP" altLang="en-US"/>
               <a:t>レベル</a:t>
             </a:r>
           </a:p>
           <a:p>
             <a:pPr lvl="2"/>
             <a:r>
-              <a:rPr kumimoji="1" lang="ja-JP" altLang="en-US" smtClean="0"/>
+              <a:rPr kumimoji="1" lang="ja-JP" altLang="en-US"/>
               <a:t>第 </a:t>
             </a:r>
             <a:r>
-              <a:rPr kumimoji="1" lang="en-US" altLang="ja-JP" smtClean="0"/>
+              <a:rPr kumimoji="1" lang="en-US" altLang="ja-JP"/>
               <a:t>3 </a:t>
             </a:r>
             <a:r>
-              <a:rPr kumimoji="1" lang="ja-JP" altLang="en-US" smtClean="0"/>
+              <a:rPr kumimoji="1" lang="ja-JP" altLang="en-US"/>
               <a:t>レベル</a:t>
             </a:r>
           </a:p>
           <a:p>
             <a:pPr lvl="3"/>
             <a:r>
-              <a:rPr kumimoji="1" lang="ja-JP" altLang="en-US" smtClean="0"/>
+              <a:rPr kumimoji="1" lang="ja-JP" altLang="en-US"/>
               <a:t>第 </a:t>
             </a:r>
             <a:r>
-              <a:rPr kumimoji="1" lang="en-US" altLang="ja-JP" smtClean="0"/>
+              <a:rPr kumimoji="1" lang="en-US" altLang="ja-JP"/>
               <a:t>4 </a:t>
             </a:r>
             <a:r>
-              <a:rPr kumimoji="1" lang="ja-JP" altLang="en-US" smtClean="0"/>
+              <a:rPr kumimoji="1" lang="ja-JP" altLang="en-US"/>
               <a:t>レベル</a:t>
             </a:r>
           </a:p>
           <a:p>
             <a:pPr lvl="4"/>
             <a:r>
-              <a:rPr kumimoji="1" lang="ja-JP" altLang="en-US" smtClean="0"/>
+              <a:rPr kumimoji="1" lang="ja-JP" altLang="en-US"/>
               <a:t>第 </a:t>
             </a:r>
             <a:r>
-              <a:rPr kumimoji="1" lang="en-US" altLang="ja-JP" smtClean="0"/>
+              <a:rPr kumimoji="1" lang="en-US" altLang="ja-JP"/>
               <a:t>5 </a:t>
             </a:r>
             <a:r>
-              <a:rPr kumimoji="1" lang="ja-JP" altLang="en-US" smtClean="0"/>
+              <a:rPr kumimoji="1" lang="ja-JP" altLang="en-US"/>
               <a:t>レベル</a:t>
             </a:r>
-            <a:endParaRPr kumimoji="1" lang="ja-JP" altLang="en-US"/>
           </a:p>
         </p:txBody>
       </p:sp>
@@ -1398,7 +1391,7 @@
           <a:p>
             <a:fld id="{6EDEEF98-8F45-4326-A5C2-D003286F18E0}" type="datetimeFigureOut">
               <a:rPr kumimoji="1" lang="ja-JP" altLang="en-US" smtClean="0"/>
-              <a:t>2020/10/15</a:t>
+              <a:t>2020/10/17</a:t>
             </a:fld>
             <a:endParaRPr kumimoji="1" lang="ja-JP" altLang="en-US"/>
           </a:p>
@@ -1497,10 +1490,9 @@
           <a:lstStyle/>
           <a:p>
             <a:r>
-              <a:rPr kumimoji="1" lang="ja-JP" altLang="en-US" smtClean="0"/>
+              <a:rPr kumimoji="1" lang="ja-JP" altLang="en-US"/>
               <a:t>マスター タイトルの書式設定</a:t>
             </a:r>
-            <a:endParaRPr kumimoji="1" lang="ja-JP" altLang="en-US"/>
           </a:p>
         </p:txBody>
       </p:sp>
@@ -1563,7 +1555,7 @@
           <a:p>
             <a:pPr lvl="0"/>
             <a:r>
-              <a:rPr kumimoji="1" lang="ja-JP" altLang="en-US" smtClean="0"/>
+              <a:rPr kumimoji="1" lang="ja-JP" altLang="en-US"/>
               <a:t>マスター テキストの書式設定</a:t>
             </a:r>
           </a:p>
@@ -1591,70 +1583,69 @@
           <a:p>
             <a:pPr lvl="0"/>
             <a:r>
-              <a:rPr kumimoji="1" lang="ja-JP" altLang="en-US" smtClean="0"/>
+              <a:rPr kumimoji="1" lang="ja-JP" altLang="en-US"/>
               <a:t>マスター テキストの書式設定</a:t>
             </a:r>
           </a:p>
           <a:p>
             <a:pPr lvl="1"/>
             <a:r>
-              <a:rPr kumimoji="1" lang="ja-JP" altLang="en-US" smtClean="0"/>
+              <a:rPr kumimoji="1" lang="ja-JP" altLang="en-US"/>
               <a:t>第 </a:t>
             </a:r>
             <a:r>
-              <a:rPr kumimoji="1" lang="en-US" altLang="ja-JP" smtClean="0"/>
+              <a:rPr kumimoji="1" lang="en-US" altLang="ja-JP"/>
               <a:t>2 </a:t>
             </a:r>
             <a:r>
-              <a:rPr kumimoji="1" lang="ja-JP" altLang="en-US" smtClean="0"/>
+              <a:rPr kumimoji="1" lang="ja-JP" altLang="en-US"/>
               <a:t>レベル</a:t>
             </a:r>
           </a:p>
           <a:p>
             <a:pPr lvl="2"/>
             <a:r>
-              <a:rPr kumimoji="1" lang="ja-JP" altLang="en-US" smtClean="0"/>
+              <a:rPr kumimoji="1" lang="ja-JP" altLang="en-US"/>
               <a:t>第 </a:t>
             </a:r>
             <a:r>
-              <a:rPr kumimoji="1" lang="en-US" altLang="ja-JP" smtClean="0"/>
+              <a:rPr kumimoji="1" lang="en-US" altLang="ja-JP"/>
               <a:t>3 </a:t>
             </a:r>
             <a:r>
-              <a:rPr kumimoji="1" lang="ja-JP" altLang="en-US" smtClean="0"/>
+              <a:rPr kumimoji="1" lang="ja-JP" altLang="en-US"/>
               <a:t>レベル</a:t>
             </a:r>
           </a:p>
           <a:p>
             <a:pPr lvl="3"/>
             <a:r>
-              <a:rPr kumimoji="1" lang="ja-JP" altLang="en-US" smtClean="0"/>
+              <a:rPr kumimoji="1" lang="ja-JP" altLang="en-US"/>
               <a:t>第 </a:t>
             </a:r>
             <a:r>
-              <a:rPr kumimoji="1" lang="en-US" altLang="ja-JP" smtClean="0"/>
+              <a:rPr kumimoji="1" lang="en-US" altLang="ja-JP"/>
               <a:t>4 </a:t>
             </a:r>
             <a:r>
-              <a:rPr kumimoji="1" lang="ja-JP" altLang="en-US" smtClean="0"/>
+              <a:rPr kumimoji="1" lang="ja-JP" altLang="en-US"/>
               <a:t>レベル</a:t>
             </a:r>
           </a:p>
           <a:p>
             <a:pPr lvl="4"/>
             <a:r>
-              <a:rPr kumimoji="1" lang="ja-JP" altLang="en-US" smtClean="0"/>
+              <a:rPr kumimoji="1" lang="ja-JP" altLang="en-US"/>
               <a:t>第 </a:t>
             </a:r>
             <a:r>
-              <a:rPr kumimoji="1" lang="en-US" altLang="ja-JP" smtClean="0"/>
+              <a:rPr kumimoji="1" lang="en-US" altLang="ja-JP"/>
               <a:t>5 </a:t>
             </a:r>
             <a:r>
-              <a:rPr kumimoji="1" lang="ja-JP" altLang="en-US" smtClean="0"/>
+              <a:rPr kumimoji="1" lang="ja-JP" altLang="en-US"/>
               <a:t>レベル</a:t>
             </a:r>
-            <a:endParaRPr kumimoji="1" lang="ja-JP" altLang="en-US"/>
           </a:p>
         </p:txBody>
       </p:sp>
@@ -1717,7 +1708,7 @@
           <a:p>
             <a:pPr lvl="0"/>
             <a:r>
-              <a:rPr kumimoji="1" lang="ja-JP" altLang="en-US" smtClean="0"/>
+              <a:rPr kumimoji="1" lang="ja-JP" altLang="en-US"/>
               <a:t>マスター テキストの書式設定</a:t>
             </a:r>
           </a:p>
@@ -1745,70 +1736,69 @@
           <a:p>
             <a:pPr lvl="0"/>
             <a:r>
-              <a:rPr kumimoji="1" lang="ja-JP" altLang="en-US" smtClean="0"/>
+              <a:rPr kumimoji="1" lang="ja-JP" altLang="en-US"/>
               <a:t>マスター テキストの書式設定</a:t>
             </a:r>
           </a:p>
           <a:p>
             <a:pPr lvl="1"/>
             <a:r>
-              <a:rPr kumimoji="1" lang="ja-JP" altLang="en-US" smtClean="0"/>
+              <a:rPr kumimoji="1" lang="ja-JP" altLang="en-US"/>
               <a:t>第 </a:t>
             </a:r>
             <a:r>
-              <a:rPr kumimoji="1" lang="en-US" altLang="ja-JP" smtClean="0"/>
+              <a:rPr kumimoji="1" lang="en-US" altLang="ja-JP"/>
               <a:t>2 </a:t>
             </a:r>
             <a:r>
-              <a:rPr kumimoji="1" lang="ja-JP" altLang="en-US" smtClean="0"/>
+              <a:rPr kumimoji="1" lang="ja-JP" altLang="en-US"/>
               <a:t>レベル</a:t>
             </a:r>
           </a:p>
           <a:p>
             <a:pPr lvl="2"/>
             <a:r>
-              <a:rPr kumimoji="1" lang="ja-JP" altLang="en-US" smtClean="0"/>
+              <a:rPr kumimoji="1" lang="ja-JP" altLang="en-US"/>
               <a:t>第 </a:t>
             </a:r>
             <a:r>
-              <a:rPr kumimoji="1" lang="en-US" altLang="ja-JP" smtClean="0"/>
+              <a:rPr kumimoji="1" lang="en-US" altLang="ja-JP"/>
               <a:t>3 </a:t>
             </a:r>
             <a:r>
-              <a:rPr kumimoji="1" lang="ja-JP" altLang="en-US" smtClean="0"/>
+              <a:rPr kumimoji="1" lang="ja-JP" altLang="en-US"/>
               <a:t>レベル</a:t>
             </a:r>
           </a:p>
           <a:p>
             <a:pPr lvl="3"/>
             <a:r>
-              <a:rPr kumimoji="1" lang="ja-JP" altLang="en-US" smtClean="0"/>
+              <a:rPr kumimoji="1" lang="ja-JP" altLang="en-US"/>
               <a:t>第 </a:t>
             </a:r>
             <a:r>
-              <a:rPr kumimoji="1" lang="en-US" altLang="ja-JP" smtClean="0"/>
+              <a:rPr kumimoji="1" lang="en-US" altLang="ja-JP"/>
               <a:t>4 </a:t>
             </a:r>
             <a:r>
-              <a:rPr kumimoji="1" lang="ja-JP" altLang="en-US" smtClean="0"/>
+              <a:rPr kumimoji="1" lang="ja-JP" altLang="en-US"/>
               <a:t>レベル</a:t>
             </a:r>
           </a:p>
           <a:p>
             <a:pPr lvl="4"/>
             <a:r>
-              <a:rPr kumimoji="1" lang="ja-JP" altLang="en-US" smtClean="0"/>
+              <a:rPr kumimoji="1" lang="ja-JP" altLang="en-US"/>
               <a:t>第 </a:t>
             </a:r>
             <a:r>
-              <a:rPr kumimoji="1" lang="en-US" altLang="ja-JP" smtClean="0"/>
+              <a:rPr kumimoji="1" lang="en-US" altLang="ja-JP"/>
               <a:t>5 </a:t>
             </a:r>
             <a:r>
-              <a:rPr kumimoji="1" lang="ja-JP" altLang="en-US" smtClean="0"/>
+              <a:rPr kumimoji="1" lang="ja-JP" altLang="en-US"/>
               <a:t>レベル</a:t>
             </a:r>
-            <a:endParaRPr kumimoji="1" lang="ja-JP" altLang="en-US"/>
           </a:p>
         </p:txBody>
       </p:sp>
@@ -1829,7 +1819,7 @@
           <a:p>
             <a:fld id="{6EDEEF98-8F45-4326-A5C2-D003286F18E0}" type="datetimeFigureOut">
               <a:rPr kumimoji="1" lang="ja-JP" altLang="en-US" smtClean="0"/>
-              <a:t>2020/10/15</a:t>
+              <a:t>2020/10/17</a:t>
             </a:fld>
             <a:endParaRPr kumimoji="1" lang="ja-JP" altLang="en-US"/>
           </a:p>
@@ -1923,10 +1913,9 @@
           <a:lstStyle/>
           <a:p>
             <a:r>
-              <a:rPr kumimoji="1" lang="ja-JP" altLang="en-US" smtClean="0"/>
+              <a:rPr kumimoji="1" lang="ja-JP" altLang="en-US"/>
               <a:t>マスター タイトルの書式設定</a:t>
             </a:r>
-            <a:endParaRPr kumimoji="1" lang="ja-JP" altLang="en-US"/>
           </a:p>
         </p:txBody>
       </p:sp>
@@ -1947,7 +1936,7 @@
           <a:p>
             <a:fld id="{6EDEEF98-8F45-4326-A5C2-D003286F18E0}" type="datetimeFigureOut">
               <a:rPr kumimoji="1" lang="ja-JP" altLang="en-US" smtClean="0"/>
-              <a:t>2020/10/15</a:t>
+              <a:t>2020/10/17</a:t>
             </a:fld>
             <a:endParaRPr kumimoji="1" lang="ja-JP" altLang="en-US"/>
           </a:p>
@@ -2042,7 +2031,7 @@
           <a:p>
             <a:fld id="{6EDEEF98-8F45-4326-A5C2-D003286F18E0}" type="datetimeFigureOut">
               <a:rPr kumimoji="1" lang="ja-JP" altLang="en-US" smtClean="0"/>
-              <a:t>2020/10/15</a:t>
+              <a:t>2020/10/17</a:t>
             </a:fld>
             <a:endParaRPr kumimoji="1" lang="ja-JP" altLang="en-US"/>
           </a:p>
@@ -2145,10 +2134,9 @@
           </a:lstStyle>
           <a:p>
             <a:r>
-              <a:rPr kumimoji="1" lang="ja-JP" altLang="en-US" smtClean="0"/>
+              <a:rPr kumimoji="1" lang="ja-JP" altLang="en-US"/>
               <a:t>マスター タイトルの書式設定</a:t>
             </a:r>
-            <a:endParaRPr kumimoji="1" lang="ja-JP" altLang="en-US"/>
           </a:p>
         </p:txBody>
       </p:sp>
@@ -2202,70 +2190,69 @@
           <a:p>
             <a:pPr lvl="0"/>
             <a:r>
-              <a:rPr kumimoji="1" lang="ja-JP" altLang="en-US" smtClean="0"/>
+              <a:rPr kumimoji="1" lang="ja-JP" altLang="en-US"/>
               <a:t>マスター テキストの書式設定</a:t>
             </a:r>
           </a:p>
           <a:p>
             <a:pPr lvl="1"/>
             <a:r>
-              <a:rPr kumimoji="1" lang="ja-JP" altLang="en-US" smtClean="0"/>
+              <a:rPr kumimoji="1" lang="ja-JP" altLang="en-US"/>
               <a:t>第 </a:t>
             </a:r>
             <a:r>
-              <a:rPr kumimoji="1" lang="en-US" altLang="ja-JP" smtClean="0"/>
+              <a:rPr kumimoji="1" lang="en-US" altLang="ja-JP"/>
               <a:t>2 </a:t>
             </a:r>
             <a:r>
-              <a:rPr kumimoji="1" lang="ja-JP" altLang="en-US" smtClean="0"/>
+              <a:rPr kumimoji="1" lang="ja-JP" altLang="en-US"/>
               <a:t>レベル</a:t>
             </a:r>
           </a:p>
           <a:p>
             <a:pPr lvl="2"/>
             <a:r>
-              <a:rPr kumimoji="1" lang="ja-JP" altLang="en-US" smtClean="0"/>
+              <a:rPr kumimoji="1" lang="ja-JP" altLang="en-US"/>
               <a:t>第 </a:t>
             </a:r>
             <a:r>
-              <a:rPr kumimoji="1" lang="en-US" altLang="ja-JP" smtClean="0"/>
+              <a:rPr kumimoji="1" lang="en-US" altLang="ja-JP"/>
               <a:t>3 </a:t>
             </a:r>
             <a:r>
-              <a:rPr kumimoji="1" lang="ja-JP" altLang="en-US" smtClean="0"/>
+              <a:rPr kumimoji="1" lang="ja-JP" altLang="en-US"/>
               <a:t>レベル</a:t>
             </a:r>
           </a:p>
           <a:p>
             <a:pPr lvl="3"/>
             <a:r>
-              <a:rPr kumimoji="1" lang="ja-JP" altLang="en-US" smtClean="0"/>
+              <a:rPr kumimoji="1" lang="ja-JP" altLang="en-US"/>
               <a:t>第 </a:t>
             </a:r>
             <a:r>
-              <a:rPr kumimoji="1" lang="en-US" altLang="ja-JP" smtClean="0"/>
+              <a:rPr kumimoji="1" lang="en-US" altLang="ja-JP"/>
               <a:t>4 </a:t>
             </a:r>
             <a:r>
-              <a:rPr kumimoji="1" lang="ja-JP" altLang="en-US" smtClean="0"/>
+              <a:rPr kumimoji="1" lang="ja-JP" altLang="en-US"/>
               <a:t>レベル</a:t>
             </a:r>
           </a:p>
           <a:p>
             <a:pPr lvl="4"/>
             <a:r>
-              <a:rPr kumimoji="1" lang="ja-JP" altLang="en-US" smtClean="0"/>
+              <a:rPr kumimoji="1" lang="ja-JP" altLang="en-US"/>
               <a:t>第 </a:t>
             </a:r>
             <a:r>
-              <a:rPr kumimoji="1" lang="en-US" altLang="ja-JP" smtClean="0"/>
+              <a:rPr kumimoji="1" lang="en-US" altLang="ja-JP"/>
               <a:t>5 </a:t>
             </a:r>
             <a:r>
-              <a:rPr kumimoji="1" lang="ja-JP" altLang="en-US" smtClean="0"/>
+              <a:rPr kumimoji="1" lang="ja-JP" altLang="en-US"/>
               <a:t>レベル</a:t>
             </a:r>
-            <a:endParaRPr kumimoji="1" lang="ja-JP" altLang="en-US"/>
           </a:p>
         </p:txBody>
       </p:sp>
@@ -2328,7 +2315,7 @@
           <a:p>
             <a:pPr lvl="0"/>
             <a:r>
-              <a:rPr kumimoji="1" lang="ja-JP" altLang="en-US" smtClean="0"/>
+              <a:rPr kumimoji="1" lang="ja-JP" altLang="en-US"/>
               <a:t>マスター テキストの書式設定</a:t>
             </a:r>
           </a:p>
@@ -2351,7 +2338,7 @@
           <a:p>
             <a:fld id="{6EDEEF98-8F45-4326-A5C2-D003286F18E0}" type="datetimeFigureOut">
               <a:rPr kumimoji="1" lang="ja-JP" altLang="en-US" smtClean="0"/>
-              <a:t>2020/10/15</a:t>
+              <a:t>2020/10/17</a:t>
             </a:fld>
             <a:endParaRPr kumimoji="1" lang="ja-JP" altLang="en-US"/>
           </a:p>
@@ -2454,10 +2441,9 @@
           </a:lstStyle>
           <a:p>
             <a:r>
-              <a:rPr kumimoji="1" lang="ja-JP" altLang="en-US" smtClean="0"/>
+              <a:rPr kumimoji="1" lang="ja-JP" altLang="en-US"/>
               <a:t>マスター タイトルの書式設定</a:t>
             </a:r>
-            <a:endParaRPr kumimoji="1" lang="ja-JP" altLang="en-US"/>
           </a:p>
         </p:txBody>
       </p:sp>
@@ -2581,7 +2567,7 @@
           <a:p>
             <a:pPr lvl="0"/>
             <a:r>
-              <a:rPr kumimoji="1" lang="ja-JP" altLang="en-US" smtClean="0"/>
+              <a:rPr kumimoji="1" lang="ja-JP" altLang="en-US"/>
               <a:t>マスター テキストの書式設定</a:t>
             </a:r>
           </a:p>
@@ -2604,7 +2590,7 @@
           <a:p>
             <a:fld id="{6EDEEF98-8F45-4326-A5C2-D003286F18E0}" type="datetimeFigureOut">
               <a:rPr kumimoji="1" lang="ja-JP" altLang="en-US" smtClean="0"/>
-              <a:t>2020/10/15</a:t>
+              <a:t>2020/10/17</a:t>
             </a:fld>
             <a:endParaRPr kumimoji="1" lang="ja-JP" altLang="en-US"/>
           </a:p>
@@ -2713,10 +2699,9 @@
           <a:lstStyle/>
           <a:p>
             <a:r>
-              <a:rPr kumimoji="1" lang="ja-JP" altLang="en-US" smtClean="0"/>
+              <a:rPr kumimoji="1" lang="ja-JP" altLang="en-US"/>
               <a:t>マスター タイトルの書式設定</a:t>
             </a:r>
-            <a:endParaRPr kumimoji="1" lang="ja-JP" altLang="en-US"/>
           </a:p>
         </p:txBody>
       </p:sp>
@@ -2747,70 +2732,69 @@
           <a:p>
             <a:pPr lvl="0"/>
             <a:r>
-              <a:rPr kumimoji="1" lang="ja-JP" altLang="en-US" smtClean="0"/>
+              <a:rPr kumimoji="1" lang="ja-JP" altLang="en-US"/>
               <a:t>マスター テキストの書式設定</a:t>
             </a:r>
           </a:p>
           <a:p>
             <a:pPr lvl="1"/>
             <a:r>
-              <a:rPr kumimoji="1" lang="ja-JP" altLang="en-US" smtClean="0"/>
+              <a:rPr kumimoji="1" lang="ja-JP" altLang="en-US"/>
               <a:t>第 </a:t>
             </a:r>
             <a:r>
-              <a:rPr kumimoji="1" lang="en-US" altLang="ja-JP" smtClean="0"/>
+              <a:rPr kumimoji="1" lang="en-US" altLang="ja-JP"/>
               <a:t>2 </a:t>
             </a:r>
             <a:r>
-              <a:rPr kumimoji="1" lang="ja-JP" altLang="en-US" smtClean="0"/>
+              <a:rPr kumimoji="1" lang="ja-JP" altLang="en-US"/>
               <a:t>レベル</a:t>
             </a:r>
           </a:p>
           <a:p>
             <a:pPr lvl="2"/>
             <a:r>
-              <a:rPr kumimoji="1" lang="ja-JP" altLang="en-US" smtClean="0"/>
+              <a:rPr kumimoji="1" lang="ja-JP" altLang="en-US"/>
               <a:t>第 </a:t>
             </a:r>
             <a:r>
-              <a:rPr kumimoji="1" lang="en-US" altLang="ja-JP" smtClean="0"/>
+              <a:rPr kumimoji="1" lang="en-US" altLang="ja-JP"/>
               <a:t>3 </a:t>
             </a:r>
             <a:r>
-              <a:rPr kumimoji="1" lang="ja-JP" altLang="en-US" smtClean="0"/>
+              <a:rPr kumimoji="1" lang="ja-JP" altLang="en-US"/>
               <a:t>レベル</a:t>
             </a:r>
           </a:p>
           <a:p>
             <a:pPr lvl="3"/>
             <a:r>
-              <a:rPr kumimoji="1" lang="ja-JP" altLang="en-US" smtClean="0"/>
+              <a:rPr kumimoji="1" lang="ja-JP" altLang="en-US"/>
               <a:t>第 </a:t>
             </a:r>
             <a:r>
-              <a:rPr kumimoji="1" lang="en-US" altLang="ja-JP" smtClean="0"/>
+              <a:rPr kumimoji="1" lang="en-US" altLang="ja-JP"/>
               <a:t>4 </a:t>
             </a:r>
             <a:r>
-              <a:rPr kumimoji="1" lang="ja-JP" altLang="en-US" smtClean="0"/>
+              <a:rPr kumimoji="1" lang="ja-JP" altLang="en-US"/>
               <a:t>レベル</a:t>
             </a:r>
           </a:p>
           <a:p>
             <a:pPr lvl="4"/>
             <a:r>
-              <a:rPr kumimoji="1" lang="ja-JP" altLang="en-US" smtClean="0"/>
+              <a:rPr kumimoji="1" lang="ja-JP" altLang="en-US"/>
               <a:t>第 </a:t>
             </a:r>
             <a:r>
-              <a:rPr kumimoji="1" lang="en-US" altLang="ja-JP" smtClean="0"/>
+              <a:rPr kumimoji="1" lang="en-US" altLang="ja-JP"/>
               <a:t>5 </a:t>
             </a:r>
             <a:r>
-              <a:rPr kumimoji="1" lang="ja-JP" altLang="en-US" smtClean="0"/>
+              <a:rPr kumimoji="1" lang="ja-JP" altLang="en-US"/>
               <a:t>レベル</a:t>
             </a:r>
-            <a:endParaRPr kumimoji="1" lang="ja-JP" altLang="en-US"/>
           </a:p>
         </p:txBody>
       </p:sp>
@@ -2849,7 +2833,7 @@
           <a:p>
             <a:fld id="{6EDEEF98-8F45-4326-A5C2-D003286F18E0}" type="datetimeFigureOut">
               <a:rPr kumimoji="1" lang="ja-JP" altLang="en-US" smtClean="0"/>
-              <a:t>2020/10/15</a:t>
+              <a:t>2020/10/17</a:t>
             </a:fld>
             <a:endParaRPr kumimoji="1" lang="ja-JP" altLang="en-US"/>
           </a:p>
@@ -3289,7 +3273,7 @@
           <a:p>
             <a:pPr algn="ctr"/>
             <a:r>
-              <a:rPr kumimoji="1" lang="en-US" altLang="ja-JP" dirty="0" smtClean="0"/>
+              <a:rPr kumimoji="1" lang="en-US" altLang="ja-JP" dirty="0"/>
               <a:t>Domain</a:t>
             </a:r>
             <a:endParaRPr kumimoji="1" lang="ja-JP" altLang="en-US" dirty="0"/>
@@ -3331,10 +3315,10 @@
           <a:p>
             <a:pPr algn="ctr"/>
             <a:r>
-              <a:rPr lang="en-US" altLang="ja-JP" dirty="0" smtClean="0"/>
+              <a:rPr lang="en-US" altLang="ja-JP" dirty="0"/>
               <a:t>Interactor</a:t>
             </a:r>
-            <a:endParaRPr kumimoji="1" lang="en-US" altLang="ja-JP" dirty="0" smtClean="0"/>
+            <a:endParaRPr kumimoji="1" lang="en-US" altLang="ja-JP" dirty="0"/>
           </a:p>
         </p:txBody>
       </p:sp>
@@ -3373,10 +3357,10 @@
           <a:p>
             <a:pPr algn="ctr"/>
             <a:r>
-              <a:rPr lang="en-US" altLang="ja-JP" dirty="0" smtClean="0"/>
+              <a:rPr lang="en-US" altLang="ja-JP" dirty="0"/>
               <a:t>Input</a:t>
             </a:r>
-            <a:endParaRPr kumimoji="1" lang="en-US" altLang="ja-JP" dirty="0" smtClean="0"/>
+            <a:endParaRPr kumimoji="1" lang="en-US" altLang="ja-JP" dirty="0"/>
           </a:p>
         </p:txBody>
       </p:sp>
@@ -3415,10 +3399,10 @@
           <a:p>
             <a:pPr algn="ctr"/>
             <a:r>
-              <a:rPr lang="en-US" altLang="ja-JP" dirty="0" smtClean="0"/>
+              <a:rPr lang="en-US" altLang="ja-JP" dirty="0"/>
               <a:t>Output</a:t>
             </a:r>
-            <a:endParaRPr kumimoji="1" lang="en-US" altLang="ja-JP" dirty="0" smtClean="0"/>
+            <a:endParaRPr kumimoji="1" lang="en-US" altLang="ja-JP" dirty="0"/>
           </a:p>
         </p:txBody>
       </p:sp>
@@ -3505,7 +3489,7 @@
           <a:p>
             <a:pPr algn="ctr"/>
             <a:r>
-              <a:rPr kumimoji="1" lang="en-US" altLang="ja-JP" dirty="0" smtClean="0"/>
+              <a:rPr kumimoji="1" lang="en-US" altLang="ja-JP" dirty="0"/>
               <a:t>Controller</a:t>
             </a:r>
           </a:p>
@@ -3546,7 +3530,7 @@
           <a:p>
             <a:pPr algn="ctr"/>
             <a:r>
-              <a:rPr kumimoji="1" lang="en-US" altLang="ja-JP" dirty="0" smtClean="0"/>
+              <a:rPr kumimoji="1" lang="en-US" altLang="ja-JP" dirty="0"/>
               <a:t>Presenter</a:t>
             </a:r>
           </a:p>
@@ -3587,7 +3571,7 @@
           <a:p>
             <a:pPr algn="ctr"/>
             <a:r>
-              <a:rPr kumimoji="1" lang="en-US" altLang="ja-JP" dirty="0" smtClean="0"/>
+              <a:rPr kumimoji="1" lang="en-US" altLang="ja-JP" dirty="0"/>
               <a:t>Main</a:t>
             </a:r>
           </a:p>
@@ -3628,7 +3612,7 @@
           <a:p>
             <a:pPr algn="ctr"/>
             <a:r>
-              <a:rPr kumimoji="1" lang="en-US" altLang="ja-JP" dirty="0" smtClean="0"/>
+              <a:rPr kumimoji="1" lang="en-US" altLang="ja-JP" dirty="0"/>
               <a:t>Repository</a:t>
             </a:r>
             <a:endParaRPr kumimoji="1" lang="ja-JP" altLang="en-US" dirty="0"/>
@@ -4090,7 +4074,7 @@
           <a:p>
             <a:pPr algn="ctr"/>
             <a:r>
-              <a:rPr kumimoji="1" lang="en-US" altLang="ja-JP" dirty="0" smtClean="0"/>
+              <a:rPr kumimoji="1" lang="en-US" altLang="ja-JP" dirty="0"/>
               <a:t>View</a:t>
             </a:r>
           </a:p>
@@ -4172,7 +4156,7 @@
           <a:p>
             <a:pPr algn="ctr"/>
             <a:r>
-              <a:rPr kumimoji="1" lang="en-US" altLang="ja-JP" dirty="0" smtClean="0"/>
+              <a:rPr kumimoji="1" lang="en-US" altLang="ja-JP" dirty="0"/>
               <a:t>Use Case</a:t>
             </a:r>
             <a:endParaRPr kumimoji="1" lang="ja-JP" altLang="en-US" dirty="0"/>
@@ -4262,7 +4246,7 @@
           <a:p>
             <a:pPr algn="ctr"/>
             <a:r>
-              <a:rPr kumimoji="1" lang="en-US" altLang="ja-JP" dirty="0" smtClean="0"/>
+              <a:rPr kumimoji="1" lang="en-US" altLang="ja-JP" dirty="0"/>
               <a:t>Adapter</a:t>
             </a:r>
             <a:endParaRPr kumimoji="1" lang="ja-JP" altLang="en-US" dirty="0"/>
@@ -4352,7 +4336,7 @@
           <a:p>
             <a:pPr algn="ctr"/>
             <a:r>
-              <a:rPr lang="en-US" altLang="ja-JP" dirty="0" smtClean="0"/>
+              <a:rPr lang="en-US" altLang="ja-JP" dirty="0"/>
               <a:t>Domain</a:t>
             </a:r>
             <a:endParaRPr kumimoji="1" lang="ja-JP" altLang="en-US" dirty="0"/>
@@ -4424,10 +4408,10 @@
           <a:p>
             <a:pPr algn="ctr"/>
             <a:r>
-              <a:rPr lang="en-US" altLang="ja-JP" dirty="0" smtClean="0"/>
+              <a:rPr lang="en-US" altLang="ja-JP" dirty="0"/>
               <a:t>Interactor</a:t>
             </a:r>
-            <a:endParaRPr kumimoji="1" lang="en-US" altLang="ja-JP" dirty="0" smtClean="0"/>
+            <a:endParaRPr kumimoji="1" lang="en-US" altLang="ja-JP" dirty="0"/>
           </a:p>
         </p:txBody>
       </p:sp>
@@ -4466,17 +4450,17 @@
           <a:p>
             <a:pPr algn="ctr"/>
             <a:r>
-              <a:rPr lang="en-US" altLang="ja-JP" dirty="0" smtClean="0"/>
+              <a:rPr lang="en-US" altLang="ja-JP" dirty="0"/>
               <a:t>Approval</a:t>
             </a:r>
             <a:br>
-              <a:rPr lang="en-US" altLang="ja-JP" dirty="0" smtClean="0"/>
+              <a:rPr lang="en-US" altLang="ja-JP" dirty="0"/>
             </a:br>
             <a:r>
-              <a:rPr lang="en-US" altLang="ja-JP" dirty="0" err="1" smtClean="0"/>
+              <a:rPr lang="en-US" altLang="ja-JP" dirty="0" err="1"/>
               <a:t>WorkFlow</a:t>
             </a:r>
-            <a:endParaRPr kumimoji="1" lang="en-US" altLang="ja-JP" dirty="0" smtClean="0"/>
+            <a:endParaRPr kumimoji="1" lang="en-US" altLang="ja-JP" dirty="0"/>
           </a:p>
         </p:txBody>
       </p:sp>
@@ -4515,17 +4499,17 @@
           <a:p>
             <a:pPr algn="ctr"/>
             <a:r>
-              <a:rPr lang="en-US" altLang="ja-JP" dirty="0" smtClean="0"/>
+              <a:rPr lang="en-US" altLang="ja-JP" dirty="0"/>
               <a:t>Attendance</a:t>
             </a:r>
             <a:br>
-              <a:rPr lang="en-US" altLang="ja-JP" dirty="0" smtClean="0"/>
+              <a:rPr lang="en-US" altLang="ja-JP" dirty="0"/>
             </a:br>
             <a:r>
-              <a:rPr lang="en-US" altLang="ja-JP" dirty="0" smtClean="0"/>
+              <a:rPr lang="en-US" altLang="ja-JP" dirty="0"/>
               <a:t>Management</a:t>
             </a:r>
-            <a:endParaRPr kumimoji="1" lang="en-US" altLang="ja-JP" dirty="0" smtClean="0"/>
+            <a:endParaRPr kumimoji="1" lang="en-US" altLang="ja-JP" dirty="0"/>
           </a:p>
         </p:txBody>
       </p:sp>
@@ -4564,10 +4548,10 @@
           <a:p>
             <a:pPr algn="ctr"/>
             <a:r>
-              <a:rPr lang="en-US" altLang="ja-JP" dirty="0" smtClean="0"/>
+              <a:rPr lang="en-US" altLang="ja-JP" dirty="0"/>
               <a:t>collaboration</a:t>
             </a:r>
-            <a:endParaRPr kumimoji="1" lang="en-US" altLang="ja-JP" dirty="0" smtClean="0"/>
+            <a:endParaRPr kumimoji="1" lang="en-US" altLang="ja-JP" dirty="0"/>
           </a:p>
         </p:txBody>
       </p:sp>
@@ -4606,10 +4590,10 @@
           <a:p>
             <a:pPr algn="ctr"/>
             <a:r>
-              <a:rPr lang="en-US" altLang="ja-JP" dirty="0" err="1" smtClean="0"/>
+              <a:rPr lang="en-US" altLang="ja-JP" dirty="0" err="1"/>
               <a:t>facilityCalendar</a:t>
             </a:r>
-            <a:endParaRPr kumimoji="1" lang="en-US" altLang="ja-JP" dirty="0" smtClean="0"/>
+            <a:endParaRPr kumimoji="1" lang="en-US" altLang="ja-JP" dirty="0"/>
           </a:p>
         </p:txBody>
       </p:sp>
@@ -4648,17 +4632,17 @@
           <a:p>
             <a:pPr algn="ctr"/>
             <a:r>
-              <a:rPr lang="en-US" altLang="ja-JP" dirty="0" smtClean="0"/>
+              <a:rPr lang="en-US" altLang="ja-JP" dirty="0"/>
               <a:t>Resource</a:t>
             </a:r>
             <a:br>
-              <a:rPr lang="en-US" altLang="ja-JP" dirty="0" smtClean="0"/>
+              <a:rPr lang="en-US" altLang="ja-JP" dirty="0"/>
             </a:br>
             <a:r>
-              <a:rPr lang="en-US" altLang="ja-JP" dirty="0" smtClean="0"/>
+              <a:rPr lang="en-US" altLang="ja-JP" dirty="0"/>
               <a:t>Manager</a:t>
             </a:r>
-            <a:endParaRPr kumimoji="1" lang="en-US" altLang="ja-JP" dirty="0" smtClean="0"/>
+            <a:endParaRPr kumimoji="1" lang="en-US" altLang="ja-JP" dirty="0"/>
           </a:p>
         </p:txBody>
       </p:sp>
@@ -4697,10 +4681,10 @@
           <a:p>
             <a:pPr algn="ctr"/>
             <a:r>
-              <a:rPr lang="en-US" altLang="ja-JP" dirty="0" smtClean="0"/>
+              <a:rPr lang="en-US" altLang="ja-JP" dirty="0"/>
               <a:t>repository</a:t>
             </a:r>
-            <a:endParaRPr kumimoji="1" lang="en-US" altLang="ja-JP" dirty="0" smtClean="0"/>
+            <a:endParaRPr kumimoji="1" lang="en-US" altLang="ja-JP" dirty="0"/>
           </a:p>
         </p:txBody>
       </p:sp>
@@ -4739,10 +4723,10 @@
           <a:p>
             <a:pPr algn="ctr"/>
             <a:r>
-              <a:rPr lang="en-US" altLang="ja-JP" dirty="0" smtClean="0"/>
+              <a:rPr lang="en-US" altLang="ja-JP" dirty="0"/>
               <a:t>repository</a:t>
             </a:r>
-            <a:endParaRPr kumimoji="1" lang="en-US" altLang="ja-JP" dirty="0" smtClean="0"/>
+            <a:endParaRPr kumimoji="1" lang="en-US" altLang="ja-JP" dirty="0"/>
           </a:p>
         </p:txBody>
       </p:sp>
@@ -4781,10 +4765,10 @@
           <a:p>
             <a:pPr algn="ctr"/>
             <a:r>
-              <a:rPr lang="en-US" altLang="ja-JP" dirty="0" smtClean="0"/>
+              <a:rPr lang="en-US" altLang="ja-JP" dirty="0"/>
               <a:t>repository</a:t>
             </a:r>
-            <a:endParaRPr kumimoji="1" lang="en-US" altLang="ja-JP" dirty="0" smtClean="0"/>
+            <a:endParaRPr kumimoji="1" lang="en-US" altLang="ja-JP" dirty="0"/>
           </a:p>
         </p:txBody>
       </p:sp>
@@ -4823,10 +4807,10 @@
           <a:p>
             <a:pPr algn="ctr"/>
             <a:r>
-              <a:rPr lang="en-US" altLang="ja-JP" dirty="0" smtClean="0"/>
+              <a:rPr lang="en-US" altLang="ja-JP" dirty="0"/>
               <a:t>repository</a:t>
             </a:r>
-            <a:endParaRPr kumimoji="1" lang="en-US" altLang="ja-JP" dirty="0" smtClean="0"/>
+            <a:endParaRPr kumimoji="1" lang="en-US" altLang="ja-JP" dirty="0"/>
           </a:p>
         </p:txBody>
       </p:sp>
@@ -4865,10 +4849,10 @@
           <a:p>
             <a:pPr algn="ctr"/>
             <a:r>
-              <a:rPr lang="en-US" altLang="ja-JP" dirty="0" smtClean="0"/>
+              <a:rPr lang="en-US" altLang="ja-JP" dirty="0"/>
               <a:t>repository</a:t>
             </a:r>
-            <a:endParaRPr kumimoji="1" lang="en-US" altLang="ja-JP" dirty="0" smtClean="0"/>
+            <a:endParaRPr kumimoji="1" lang="en-US" altLang="ja-JP" dirty="0"/>
           </a:p>
         </p:txBody>
       </p:sp>
@@ -4907,10 +4891,10 @@
           <a:p>
             <a:pPr algn="ctr"/>
             <a:r>
-              <a:rPr lang="en-US" altLang="ja-JP" dirty="0" err="1" smtClean="0"/>
+              <a:rPr lang="en-US" altLang="ja-JP" dirty="0" err="1"/>
               <a:t>DomainTraversal</a:t>
             </a:r>
-            <a:endParaRPr kumimoji="1" lang="en-US" altLang="ja-JP" dirty="0" smtClean="0"/>
+            <a:endParaRPr kumimoji="1" lang="en-US" altLang="ja-JP" dirty="0"/>
           </a:p>
         </p:txBody>
       </p:sp>
@@ -5105,7 +5089,7 @@
           <a:p>
             <a:pPr algn="ctr"/>
             <a:r>
-              <a:rPr lang="en-US" altLang="ja-JP" dirty="0" smtClean="0"/>
+              <a:rPr lang="en-US" altLang="ja-JP" dirty="0"/>
               <a:t>Domain</a:t>
             </a:r>
             <a:endParaRPr kumimoji="1" lang="ja-JP" altLang="en-US" dirty="0"/>
@@ -5177,10 +5161,10 @@
           <a:p>
             <a:pPr algn="ctr"/>
             <a:r>
-              <a:rPr lang="en-US" altLang="ja-JP" sz="1200" dirty="0" smtClean="0"/>
+              <a:rPr lang="en-US" altLang="ja-JP" sz="1200" dirty="0"/>
               <a:t>Timecard</a:t>
             </a:r>
-            <a:endParaRPr kumimoji="1" lang="en-US" altLang="ja-JP" sz="1200" dirty="0" smtClean="0"/>
+            <a:endParaRPr kumimoji="1" lang="en-US" altLang="ja-JP" sz="1200" dirty="0"/>
           </a:p>
         </p:txBody>
       </p:sp>
@@ -5219,10 +5203,10 @@
           <a:p>
             <a:pPr algn="ctr"/>
             <a:r>
-              <a:rPr lang="en-US" altLang="ja-JP" sz="1200" dirty="0" smtClean="0"/>
+              <a:rPr lang="en-US" altLang="ja-JP" sz="1200" dirty="0"/>
               <a:t>Employee</a:t>
             </a:r>
-            <a:endParaRPr kumimoji="1" lang="en-US" altLang="ja-JP" sz="1200" dirty="0" smtClean="0"/>
+            <a:endParaRPr kumimoji="1" lang="en-US" altLang="ja-JP" sz="1200" dirty="0"/>
           </a:p>
         </p:txBody>
       </p:sp>
@@ -5261,10 +5245,10 @@
           <a:p>
             <a:pPr algn="ctr"/>
             <a:r>
-              <a:rPr lang="en-US" altLang="ja-JP" sz="1200" dirty="0" err="1" smtClean="0"/>
+              <a:rPr lang="en-US" altLang="ja-JP" sz="1200" dirty="0" err="1"/>
               <a:t>EmployeeId</a:t>
             </a:r>
-            <a:endParaRPr kumimoji="1" lang="en-US" altLang="ja-JP" sz="1200" dirty="0" smtClean="0"/>
+            <a:endParaRPr kumimoji="1" lang="en-US" altLang="ja-JP" sz="1200" dirty="0"/>
           </a:p>
         </p:txBody>
       </p:sp>
@@ -5303,7 +5287,7 @@
           <a:p>
             <a:pPr algn="ctr"/>
             <a:r>
-              <a:rPr kumimoji="1" lang="en-US" altLang="ja-JP" sz="1200" dirty="0" smtClean="0"/>
+              <a:rPr kumimoji="1" lang="en-US" altLang="ja-JP" sz="1200" dirty="0"/>
               <a:t>Coordinate</a:t>
             </a:r>
           </a:p>
@@ -5344,10 +5328,10 @@
           <a:p>
             <a:pPr algn="ctr"/>
             <a:r>
-              <a:rPr lang="en-US" altLang="ja-JP" sz="1200" dirty="0" err="1" smtClean="0"/>
+              <a:rPr lang="en-US" altLang="ja-JP" sz="1200" dirty="0" err="1"/>
               <a:t>CardType</a:t>
             </a:r>
-            <a:endParaRPr kumimoji="1" lang="en-US" altLang="ja-JP" sz="1200" dirty="0" smtClean="0"/>
+            <a:endParaRPr kumimoji="1" lang="en-US" altLang="ja-JP" sz="1200" dirty="0"/>
           </a:p>
         </p:txBody>
       </p:sp>
@@ -5470,7 +5454,7 @@
           <a:p>
             <a:pPr algn="ctr"/>
             <a:r>
-              <a:rPr kumimoji="1" lang="en-US" altLang="ja-JP" sz="1400" dirty="0" smtClean="0"/>
+              <a:rPr kumimoji="1" lang="en-US" altLang="ja-JP" sz="1400" dirty="0"/>
               <a:t>Entity</a:t>
             </a:r>
             <a:endParaRPr kumimoji="1" lang="ja-JP" altLang="en-US" sz="1400" dirty="0"/>
@@ -5514,7 +5498,7 @@
           <a:p>
             <a:pPr algn="ctr"/>
             <a:r>
-              <a:rPr kumimoji="1" lang="en-US" altLang="ja-JP" sz="1400" dirty="0" err="1" smtClean="0"/>
+              <a:rPr kumimoji="1" lang="en-US" altLang="ja-JP" sz="1400" dirty="0" err="1"/>
               <a:t>ObjectValue</a:t>
             </a:r>
             <a:endParaRPr kumimoji="1" lang="ja-JP" altLang="en-US" sz="1400" dirty="0"/>
@@ -5529,7 +5513,7 @@
         </p:nvSpPr>
         <p:spPr>
           <a:xfrm>
-            <a:off x="7679413" y="1274567"/>
+            <a:off x="1034136" y="4109661"/>
             <a:ext cx="1676406" cy="398519"/>
           </a:xfrm>
           <a:prstGeom prst="rect">
@@ -5556,10 +5540,10 @@
           <a:p>
             <a:pPr algn="ctr"/>
             <a:r>
-              <a:rPr lang="en-US" altLang="ja-JP" sz="1200" dirty="0" smtClean="0"/>
+              <a:rPr lang="en-US" altLang="ja-JP" sz="1200" dirty="0"/>
               <a:t>Repository</a:t>
             </a:r>
-            <a:endParaRPr kumimoji="1" lang="en-US" altLang="ja-JP" sz="1200" dirty="0" smtClean="0"/>
+            <a:endParaRPr kumimoji="1" lang="en-US" altLang="ja-JP" sz="1200" dirty="0"/>
           </a:p>
         </p:txBody>
       </p:sp>
@@ -5571,7 +5555,7 @@
         </p:nvSpPr>
         <p:spPr>
           <a:xfrm>
-            <a:off x="5842879" y="1926942"/>
+            <a:off x="4343396" y="1911974"/>
             <a:ext cx="1299034" cy="398519"/>
           </a:xfrm>
           <a:prstGeom prst="rect">
@@ -5598,10 +5582,10 @@
           <a:p>
             <a:pPr algn="ctr"/>
             <a:r>
-              <a:rPr lang="en-US" altLang="ja-JP" sz="1200" dirty="0" smtClean="0"/>
+              <a:rPr lang="en-US" altLang="ja-JP" sz="1200" dirty="0"/>
               <a:t>Specification</a:t>
             </a:r>
-            <a:endParaRPr kumimoji="1" lang="en-US" altLang="ja-JP" sz="1200" dirty="0" smtClean="0"/>
+            <a:endParaRPr kumimoji="1" lang="en-US" altLang="ja-JP" sz="1200" dirty="0"/>
           </a:p>
         </p:txBody>
       </p:sp>
@@ -5664,7 +5648,7 @@
           <a:lstStyle/>
           <a:p>
             <a:r>
-              <a:rPr kumimoji="1" lang="en-US" altLang="ja-JP" sz="1100" dirty="0" smtClean="0"/>
+              <a:rPr kumimoji="1" lang="en-US" altLang="ja-JP" sz="1100" dirty="0"/>
               <a:t>create</a:t>
             </a:r>
             <a:endParaRPr kumimoji="1" lang="ja-JP" altLang="en-US" sz="1100" dirty="0"/>
@@ -5674,13 +5658,15 @@
       <p:cxnSp>
         <p:nvCxnSpPr>
           <p:cNvPr id="22" name="直線矢印コネクタ 21"/>
-          <p:cNvCxnSpPr/>
+          <p:cNvCxnSpPr>
+            <a:cxnSpLocks/>
+          </p:cNvCxnSpPr>
           <p:nvPr/>
         </p:nvCxnSpPr>
         <p:spPr>
-          <a:xfrm flipV="1">
-            <a:off x="3588418" y="2108214"/>
-            <a:ext cx="2254461" cy="6038"/>
+          <a:xfrm>
+            <a:off x="3588418" y="2114252"/>
+            <a:ext cx="735007" cy="0"/>
           </a:xfrm>
           <a:prstGeom prst="straightConnector1">
             <a:avLst/>
@@ -5739,10 +5725,10 @@
           <a:p>
             <a:pPr algn="ctr"/>
             <a:r>
-              <a:rPr lang="en-US" altLang="ja-JP" sz="1200" dirty="0" smtClean="0"/>
+              <a:rPr lang="en-US" altLang="ja-JP" sz="1200" dirty="0"/>
               <a:t>Action</a:t>
             </a:r>
-            <a:endParaRPr kumimoji="1" lang="en-US" altLang="ja-JP" sz="1200" dirty="0" smtClean="0"/>
+            <a:endParaRPr kumimoji="1" lang="en-US" altLang="ja-JP" sz="1200" dirty="0"/>
           </a:p>
         </p:txBody>
       </p:sp>
@@ -5789,6 +5775,49 @@
           </a:p>
         </p:txBody>
       </p:sp>
+      <p:cxnSp>
+        <p:nvCxnSpPr>
+          <p:cNvPr id="21" name="直線矢印コネクタ 20">
+            <a:extLst>
+              <a:ext uri="{FF2B5EF4-FFF2-40B4-BE49-F238E27FC236}">
+                <a16:creationId xmlns:a16="http://schemas.microsoft.com/office/drawing/2014/main" id="{E22B6A81-D55C-47F2-BE33-0DBF38BAED99}"/>
+              </a:ext>
+            </a:extLst>
+          </p:cNvPr>
+          <p:cNvCxnSpPr>
+            <a:cxnSpLocks/>
+            <a:stCxn id="14" idx="0"/>
+            <a:endCxn id="4" idx="2"/>
+          </p:cNvCxnSpPr>
+          <p:nvPr/>
+        </p:nvCxnSpPr>
+        <p:spPr>
+          <a:xfrm flipV="1">
+            <a:off x="1872339" y="1673086"/>
+            <a:ext cx="0" cy="2436575"/>
+          </a:xfrm>
+          <a:prstGeom prst="straightConnector1">
+            <a:avLst/>
+          </a:prstGeom>
+          <a:ln>
+            <a:tailEnd type="triangle"/>
+          </a:ln>
+        </p:spPr>
+        <p:style>
+          <a:lnRef idx="1">
+            <a:schemeClr val="dk1"/>
+          </a:lnRef>
+          <a:fillRef idx="0">
+            <a:schemeClr val="dk1"/>
+          </a:fillRef>
+          <a:effectRef idx="0">
+            <a:schemeClr val="dk1"/>
+          </a:effectRef>
+          <a:fontRef idx="minor">
+            <a:schemeClr val="tx1"/>
+          </a:fontRef>
+        </p:style>
+      </p:cxnSp>
     </p:spTree>
     <p:extLst>
       <p:ext uri="{BB962C8B-B14F-4D97-AF65-F5344CB8AC3E}">
